--- a/AdventOfCode.pptx
+++ b/AdventOfCode.pptx
@@ -4124,7 +4124,15 @@
           <a:p>
             <a:r>
               <a:rPr lang="en-GB" dirty="0"/>
-              <a:t>“Search a list of numbers and for each n == n+1, accumulate that number into a counter”</a:t>
+              <a:t>“Search a list of numbers and for </a:t>
+            </a:r>
+            <a:r>
+              <a:rPr lang="en-GB"/>
+              <a:t>each [n] == [n+1], </a:t>
+            </a:r>
+            <a:r>
+              <a:rPr lang="en-GB" dirty="0"/>
+              <a:t>accumulate that number into a counter”</a:t>
             </a:r>
           </a:p>
           <a:p>
